--- a/ppt/10. 对象的思考.pptx
+++ b/ppt/10. 对象的思考.pptx
@@ -7252,6 +7252,95 @@
               <a:latin typeface="Microsoft YaHei" panose="020B0503020204020204" pitchFamily="34" charset="-122"/>
               <a:ea typeface="Microsoft YaHei" panose="020B0503020204020204" pitchFamily="34" charset="-122"/>
             </a:endParaRPr>
+          </a:p>
+        </p:txBody>
+      </p:sp>
+      <p:sp>
+        <p:nvSpPr>
+          <p:cNvPr id="4" name="文本框 3">
+            <a:extLst>
+              <a:ext uri="{FF2B5EF4-FFF2-40B4-BE49-F238E27FC236}">
+                <a16:creationId xmlns:a16="http://schemas.microsoft.com/office/drawing/2014/main" id="{30B5114B-B480-814F-92E5-3F92D226EC3A}"/>
+              </a:ext>
+            </a:extLst>
+          </p:cNvPr>
+          <p:cNvSpPr txBox="1"/>
+          <p:nvPr/>
+        </p:nvSpPr>
+        <p:spPr>
+          <a:xfrm>
+            <a:off x="3253563" y="2573079"/>
+            <a:ext cx="7400260" cy="2308324"/>
+          </a:xfrm>
+          <a:prstGeom prst="rect">
+            <a:avLst/>
+          </a:prstGeom>
+          <a:noFill/>
+        </p:spPr>
+        <p:txBody>
+          <a:bodyPr wrap="square" rtlCol="0">
+            <a:spAutoFit/>
+          </a:bodyPr>
+          <a:lstStyle/>
+          <a:p>
+            <a:r>
+              <a:rPr kumimoji="1" lang="zh-CN" altLang="en-US" sz="2400" dirty="0"/>
+              <a:t>请大家根据如下</a:t>
+            </a:r>
+            <a:r>
+              <a:rPr kumimoji="1" lang="en-US" altLang="zh-CN" sz="2400" dirty="0"/>
+              <a:t>2</a:t>
+            </a:r>
+            <a:r>
+              <a:rPr kumimoji="1" lang="zh-CN" altLang="en-US" sz="2400" dirty="0"/>
+              <a:t>方面去自学：</a:t>
+            </a:r>
+            <a:endParaRPr kumimoji="1" lang="en-US" altLang="zh-CN" sz="2400" dirty="0"/>
+          </a:p>
+          <a:p>
+            <a:pPr marL="342900" indent="-342900">
+              <a:buFont typeface="+mj-lt"/>
+              <a:buAutoNum type="arabicPeriod"/>
+            </a:pPr>
+            <a:r>
+              <a:rPr kumimoji="1" lang="zh-CN" altLang="en-US" sz="2400" dirty="0"/>
+              <a:t>两者的共同点，他们都能提供哪些常用服务</a:t>
+            </a:r>
+            <a:endParaRPr kumimoji="1" lang="en-US" altLang="zh-CN" sz="2400" dirty="0"/>
+          </a:p>
+          <a:p>
+            <a:pPr marL="342900" indent="-342900">
+              <a:buFont typeface="+mj-lt"/>
+              <a:buAutoNum type="arabicPeriod"/>
+            </a:pPr>
+            <a:r>
+              <a:rPr kumimoji="1" lang="zh-CN" altLang="en-US" sz="2400" dirty="0"/>
+              <a:t>两者的不同点：哪些场景用</a:t>
+            </a:r>
+            <a:r>
+              <a:rPr kumimoji="1" lang="en-US" altLang="zh-CN" sz="2400" dirty="0"/>
+              <a:t>StringBuilder,</a:t>
+            </a:r>
+            <a:r>
+              <a:rPr kumimoji="1" lang="zh-CN" altLang="en-US" sz="2400" dirty="0"/>
+              <a:t> 哪些场景用</a:t>
+            </a:r>
+            <a:r>
+              <a:rPr kumimoji="1" lang="en-US" altLang="zh-CN" sz="2400" dirty="0" err="1"/>
+              <a:t>StringBuffer</a:t>
+            </a:r>
+            <a:r>
+              <a:rPr kumimoji="1" lang="zh-CN" altLang="en-US" sz="2400" dirty="0"/>
+              <a:t>，考虑场景的时候，请考虑性能，比如时间复杂度和空间复杂度。一个合格的工程师在决定使用</a:t>
+            </a:r>
+            <a:r>
+              <a:rPr kumimoji="1" lang="en-US" altLang="zh-CN" sz="2400" dirty="0"/>
+              <a:t>JDK</a:t>
+            </a:r>
+            <a:r>
+              <a:rPr kumimoji="1" lang="zh-CN" altLang="en-US" sz="2400" dirty="0"/>
+              <a:t>哪个功能的时候，要有通盘的考量</a:t>
+            </a:r>
           </a:p>
         </p:txBody>
       </p:sp>

--- a/ppt/10. 对象的思考.pptx
+++ b/ppt/10. 对象的思考.pptx
@@ -5,7 +5,7 @@
     <p:sldMasterId id="2147483648" r:id="rId1"/>
   </p:sldMasterIdLst>
   <p:notesMasterIdLst>
-    <p:notesMasterId r:id="rId18"/>
+    <p:notesMasterId r:id="rId19"/>
   </p:notesMasterIdLst>
   <p:sldIdLst>
     <p:sldId id="258" r:id="rId2"/>
@@ -24,6 +24,7 @@
     <p:sldId id="361" r:id="rId15"/>
     <p:sldId id="359" r:id="rId16"/>
     <p:sldId id="279" r:id="rId17"/>
+    <p:sldId id="362" r:id="rId18"/>
   </p:sldIdLst>
   <p:sldSz cx="12192000" cy="6858000"/>
   <p:notesSz cx="6858000" cy="9144000"/>
@@ -147,6 +148,7 @@
             <p14:sldId id="361"/>
             <p14:sldId id="359"/>
             <p14:sldId id="279"/>
+            <p14:sldId id="362"/>
           </p14:sldIdLst>
         </p14:section>
       </p14:sectionLst>
@@ -240,7 +242,7 @@
           <a:p>
             <a:fld id="{66C3546E-20F6-7649-A9A4-4E4A245D3E82}" type="datetimeFigureOut">
               <a:rPr kumimoji="1" lang="zh-CN" altLang="en-US" smtClean="0"/>
-              <a:t>2020/3/24</a:t>
+              <a:t>2020/3/27</a:t>
             </a:fld>
             <a:endParaRPr kumimoji="1" lang="zh-CN" altLang="en-US"/>
           </a:p>
@@ -1110,6 +1112,90 @@
 </p:notes>
 </file>
 
+<file path=ppt/notesSlides/notesSlide16.xml><?xml version="1.0" encoding="utf-8"?>
+<p:notes xmlns:a="http://schemas.openxmlformats.org/drawingml/2006/main" xmlns:r="http://schemas.openxmlformats.org/officeDocument/2006/relationships" xmlns:p="http://schemas.openxmlformats.org/presentationml/2006/main">
+  <p:cSld>
+    <p:spTree>
+      <p:nvGrpSpPr>
+        <p:cNvPr id="1" name=""/>
+        <p:cNvGrpSpPr/>
+        <p:nvPr/>
+      </p:nvGrpSpPr>
+      <p:grpSpPr>
+        <a:xfrm>
+          <a:off x="0" y="0"/>
+          <a:ext cx="0" cy="0"/>
+          <a:chOff x="0" y="0"/>
+          <a:chExt cx="0" cy="0"/>
+        </a:xfrm>
+      </p:grpSpPr>
+      <p:sp>
+        <p:nvSpPr>
+          <p:cNvPr id="2" name="幻灯片图像占位符 1"/>
+          <p:cNvSpPr>
+            <a:spLocks noGrp="1" noRot="1" noChangeAspect="1"/>
+          </p:cNvSpPr>
+          <p:nvPr>
+            <p:ph type="sldImg"/>
+          </p:nvPr>
+        </p:nvSpPr>
+        <p:spPr/>
+      </p:sp>
+      <p:sp>
+        <p:nvSpPr>
+          <p:cNvPr id="3" name="备注占位符 2"/>
+          <p:cNvSpPr>
+            <a:spLocks noGrp="1"/>
+          </p:cNvSpPr>
+          <p:nvPr>
+            <p:ph type="body" idx="1"/>
+          </p:nvPr>
+        </p:nvSpPr>
+        <p:spPr/>
+        <p:txBody>
+          <a:bodyPr/>
+          <a:lstStyle/>
+          <a:p>
+            <a:endParaRPr kumimoji="1" lang="zh-CN" altLang="en-US" dirty="0"/>
+          </a:p>
+        </p:txBody>
+      </p:sp>
+      <p:sp>
+        <p:nvSpPr>
+          <p:cNvPr id="4" name="灯片编号占位符 3"/>
+          <p:cNvSpPr>
+            <a:spLocks noGrp="1"/>
+          </p:cNvSpPr>
+          <p:nvPr>
+            <p:ph type="sldNum" sz="quarter" idx="5"/>
+          </p:nvPr>
+        </p:nvSpPr>
+        <p:spPr/>
+        <p:txBody>
+          <a:bodyPr/>
+          <a:lstStyle/>
+          <a:p>
+            <a:fld id="{0F8E57A1-C481-6944-857F-EAC8E932B5ED}" type="slidenum">
+              <a:rPr kumimoji="1" lang="zh-CN" altLang="en-US" smtClean="0"/>
+              <a:t>17</a:t>
+            </a:fld>
+            <a:endParaRPr kumimoji="1" lang="zh-CN" altLang="en-US"/>
+          </a:p>
+        </p:txBody>
+      </p:sp>
+    </p:spTree>
+    <p:extLst>
+      <p:ext uri="{BB962C8B-B14F-4D97-AF65-F5344CB8AC3E}">
+        <p14:creationId xmlns:p14="http://schemas.microsoft.com/office/powerpoint/2010/main" val="4210472117"/>
+      </p:ext>
+    </p:extLst>
+  </p:cSld>
+  <p:clrMapOvr>
+    <a:masterClrMapping/>
+  </p:clrMapOvr>
+</p:notes>
+</file>
+
 <file path=ppt/notesSlides/notesSlide2.xml><?xml version="1.0" encoding="utf-8"?>
 <p:notes xmlns:a="http://schemas.openxmlformats.org/drawingml/2006/main" xmlns:r="http://schemas.openxmlformats.org/officeDocument/2006/relationships" xmlns:p="http://schemas.openxmlformats.org/presentationml/2006/main">
   <p:cSld>
@@ -1953,7 +2039,7 @@
           <a:p>
             <a:fld id="{1C49BB65-7B3F-4D4E-A397-BBFD82890A5A}" type="datetimeFigureOut">
               <a:rPr kumimoji="1" lang="zh-CN" altLang="en-US" smtClean="0"/>
-              <a:t>2020/3/24</a:t>
+              <a:t>2020/3/27</a:t>
             </a:fld>
             <a:endParaRPr kumimoji="1" lang="zh-CN" altLang="en-US"/>
           </a:p>
@@ -2151,7 +2237,7 @@
           <a:p>
             <a:fld id="{1C49BB65-7B3F-4D4E-A397-BBFD82890A5A}" type="datetimeFigureOut">
               <a:rPr kumimoji="1" lang="zh-CN" altLang="en-US" smtClean="0"/>
-              <a:t>2020/3/24</a:t>
+              <a:t>2020/3/27</a:t>
             </a:fld>
             <a:endParaRPr kumimoji="1" lang="zh-CN" altLang="en-US"/>
           </a:p>
@@ -2359,7 +2445,7 @@
           <a:p>
             <a:fld id="{1C49BB65-7B3F-4D4E-A397-BBFD82890A5A}" type="datetimeFigureOut">
               <a:rPr kumimoji="1" lang="zh-CN" altLang="en-US" smtClean="0"/>
-              <a:t>2020/3/24</a:t>
+              <a:t>2020/3/27</a:t>
             </a:fld>
             <a:endParaRPr kumimoji="1" lang="zh-CN" altLang="en-US"/>
           </a:p>
@@ -2557,7 +2643,7 @@
           <a:p>
             <a:fld id="{1C49BB65-7B3F-4D4E-A397-BBFD82890A5A}" type="datetimeFigureOut">
               <a:rPr kumimoji="1" lang="zh-CN" altLang="en-US" smtClean="0"/>
-              <a:t>2020/3/24</a:t>
+              <a:t>2020/3/27</a:t>
             </a:fld>
             <a:endParaRPr kumimoji="1" lang="zh-CN" altLang="en-US"/>
           </a:p>
@@ -2832,7 +2918,7 @@
           <a:p>
             <a:fld id="{1C49BB65-7B3F-4D4E-A397-BBFD82890A5A}" type="datetimeFigureOut">
               <a:rPr kumimoji="1" lang="zh-CN" altLang="en-US" smtClean="0"/>
-              <a:t>2020/3/24</a:t>
+              <a:t>2020/3/27</a:t>
             </a:fld>
             <a:endParaRPr kumimoji="1" lang="zh-CN" altLang="en-US"/>
           </a:p>
@@ -3097,7 +3183,7 @@
           <a:p>
             <a:fld id="{1C49BB65-7B3F-4D4E-A397-BBFD82890A5A}" type="datetimeFigureOut">
               <a:rPr kumimoji="1" lang="zh-CN" altLang="en-US" smtClean="0"/>
-              <a:t>2020/3/24</a:t>
+              <a:t>2020/3/27</a:t>
             </a:fld>
             <a:endParaRPr kumimoji="1" lang="zh-CN" altLang="en-US"/>
           </a:p>
@@ -3509,7 +3595,7 @@
           <a:p>
             <a:fld id="{1C49BB65-7B3F-4D4E-A397-BBFD82890A5A}" type="datetimeFigureOut">
               <a:rPr kumimoji="1" lang="zh-CN" altLang="en-US" smtClean="0"/>
-              <a:t>2020/3/24</a:t>
+              <a:t>2020/3/27</a:t>
             </a:fld>
             <a:endParaRPr kumimoji="1" lang="zh-CN" altLang="en-US"/>
           </a:p>
@@ -3650,7 +3736,7 @@
           <a:p>
             <a:fld id="{1C49BB65-7B3F-4D4E-A397-BBFD82890A5A}" type="datetimeFigureOut">
               <a:rPr kumimoji="1" lang="zh-CN" altLang="en-US" smtClean="0"/>
-              <a:t>2020/3/24</a:t>
+              <a:t>2020/3/27</a:t>
             </a:fld>
             <a:endParaRPr kumimoji="1" lang="zh-CN" altLang="en-US"/>
           </a:p>
@@ -4020,7 +4106,7 @@
           <a:p>
             <a:fld id="{1C49BB65-7B3F-4D4E-A397-BBFD82890A5A}" type="datetimeFigureOut">
               <a:rPr kumimoji="1" lang="zh-CN" altLang="en-US" smtClean="0"/>
-              <a:t>2020/3/24</a:t>
+              <a:t>2020/3/27</a:t>
             </a:fld>
             <a:endParaRPr kumimoji="1" lang="zh-CN" altLang="en-US"/>
           </a:p>
@@ -4308,7 +4394,7 @@
           <a:p>
             <a:fld id="{1C49BB65-7B3F-4D4E-A397-BBFD82890A5A}" type="datetimeFigureOut">
               <a:rPr kumimoji="1" lang="zh-CN" altLang="en-US" smtClean="0"/>
-              <a:t>2020/3/24</a:t>
+              <a:t>2020/3/27</a:t>
             </a:fld>
             <a:endParaRPr kumimoji="1" lang="zh-CN" altLang="en-US"/>
           </a:p>
@@ -4549,7 +4635,7 @@
           <a:p>
             <a:fld id="{1C49BB65-7B3F-4D4E-A397-BBFD82890A5A}" type="datetimeFigureOut">
               <a:rPr kumimoji="1" lang="zh-CN" altLang="en-US" smtClean="0"/>
-              <a:t>2020/3/24</a:t>
+              <a:t>2020/3/27</a:t>
             </a:fld>
             <a:endParaRPr kumimoji="1" lang="zh-CN" altLang="en-US"/>
           </a:p>
@@ -7270,7 +7356,7 @@
         <p:spPr>
           <a:xfrm>
             <a:off x="3253563" y="2573079"/>
-            <a:ext cx="7400260" cy="2308324"/>
+            <a:ext cx="7400260" cy="3416320"/>
           </a:xfrm>
           <a:prstGeom prst="rect">
             <a:avLst/>
@@ -7298,13 +7384,65 @@
             <a:endParaRPr kumimoji="1" lang="en-US" altLang="zh-CN" sz="2400" dirty="0"/>
           </a:p>
           <a:p>
+            <a:pPr marL="457200" indent="-457200">
+              <a:buAutoNum type="arabicPeriod"/>
+            </a:pPr>
+            <a:r>
+              <a:rPr kumimoji="1" lang="zh-CN" altLang="en-US" sz="2400" dirty="0"/>
+              <a:t>为什么不用</a:t>
+            </a:r>
+            <a:r>
+              <a:rPr kumimoji="1" lang="en-US" altLang="zh-CN" sz="2400" dirty="0"/>
+              <a:t>String,</a:t>
+            </a:r>
+            <a:r>
+              <a:rPr kumimoji="1" lang="zh-CN" altLang="en-US" sz="2400" dirty="0"/>
+              <a:t>而用这两个，这个两个有什么存在价值</a:t>
+            </a:r>
+            <a:endParaRPr kumimoji="1" lang="en-US" altLang="zh-CN" sz="2400" dirty="0"/>
+          </a:p>
+          <a:p>
+            <a:pPr marL="457200" indent="-457200">
+              <a:buAutoNum type="arabicPeriod"/>
+            </a:pPr>
+            <a:r>
+              <a:rPr kumimoji="1" lang="zh-CN" altLang="en-US" sz="2400" dirty="0"/>
+              <a:t>两者的共同点，他们都能提供哪些常用服务</a:t>
+            </a:r>
+            <a:endParaRPr kumimoji="1" lang="en-US" altLang="zh-CN" sz="2400" dirty="0"/>
+          </a:p>
+          <a:p>
             <a:pPr marL="342900" indent="-342900">
               <a:buFont typeface="+mj-lt"/>
               <a:buAutoNum type="arabicPeriod"/>
             </a:pPr>
             <a:r>
               <a:rPr kumimoji="1" lang="zh-CN" altLang="en-US" sz="2400" dirty="0"/>
-              <a:t>两者的共同点，他们都能提供哪些常用服务</a:t>
+              <a:t>两者的不同点：哪些场景用</a:t>
+            </a:r>
+            <a:r>
+              <a:rPr kumimoji="1" lang="en-US" altLang="zh-CN" sz="2400" dirty="0"/>
+              <a:t>StringBuilder,</a:t>
+            </a:r>
+            <a:r>
+              <a:rPr kumimoji="1" lang="zh-CN" altLang="en-US" sz="2400" dirty="0"/>
+              <a:t> 哪些场景用</a:t>
+            </a:r>
+            <a:r>
+              <a:rPr kumimoji="1" lang="en-US" altLang="zh-CN" sz="2400" dirty="0" err="1"/>
+              <a:t>StringBuffer</a:t>
+            </a:r>
+            <a:r>
+              <a:rPr kumimoji="1" lang="zh-CN" altLang="en-US" sz="2400" dirty="0"/>
+              <a:t>，考虑场景的时候，请考虑性能，比如时间复杂度和空间复杂度。一个合格的工程师在决定使用</a:t>
+            </a:r>
+            <a:r>
+              <a:rPr kumimoji="1" lang="en-US" altLang="zh-CN" sz="2400" dirty="0"/>
+              <a:t>JDK</a:t>
+            </a:r>
+            <a:r>
+              <a:rPr kumimoji="1" lang="zh-CN" altLang="en-US" sz="2400" dirty="0"/>
+              <a:t>哪个功能的时候，要有通盘的考量</a:t>
             </a:r>
             <a:endParaRPr kumimoji="1" lang="en-US" altLang="zh-CN" sz="2400" dirty="0"/>
           </a:p>
@@ -7313,34 +7451,7 @@
               <a:buFont typeface="+mj-lt"/>
               <a:buAutoNum type="arabicPeriod"/>
             </a:pPr>
-            <a:r>
-              <a:rPr kumimoji="1" lang="zh-CN" altLang="en-US" sz="2400" dirty="0"/>
-              <a:t>两者的不同点：哪些场景用</a:t>
-            </a:r>
-            <a:r>
-              <a:rPr kumimoji="1" lang="en-US" altLang="zh-CN" sz="2400" dirty="0"/>
-              <a:t>StringBuilder,</a:t>
-            </a:r>
-            <a:r>
-              <a:rPr kumimoji="1" lang="zh-CN" altLang="en-US" sz="2400" dirty="0"/>
-              <a:t> 哪些场景用</a:t>
-            </a:r>
-            <a:r>
-              <a:rPr kumimoji="1" lang="en-US" altLang="zh-CN" sz="2400" dirty="0" err="1"/>
-              <a:t>StringBuffer</a:t>
-            </a:r>
-            <a:r>
-              <a:rPr kumimoji="1" lang="zh-CN" altLang="en-US" sz="2400" dirty="0"/>
-              <a:t>，考虑场景的时候，请考虑性能，比如时间复杂度和空间复杂度。一个合格的工程师在决定使用</a:t>
-            </a:r>
-            <a:r>
-              <a:rPr kumimoji="1" lang="en-US" altLang="zh-CN" sz="2400" dirty="0"/>
-              <a:t>JDK</a:t>
-            </a:r>
-            <a:r>
-              <a:rPr kumimoji="1" lang="zh-CN" altLang="en-US" sz="2400" dirty="0"/>
-              <a:t>哪个功能的时候，要有通盘的考量</a:t>
-            </a:r>
+            <a:endParaRPr kumimoji="1" lang="zh-CN" altLang="en-US" sz="2400" dirty="0"/>
           </a:p>
         </p:txBody>
       </p:sp>
@@ -7426,6 +7537,98 @@
     <p:extLst>
       <p:ext uri="{BB962C8B-B14F-4D97-AF65-F5344CB8AC3E}">
         <p14:creationId xmlns:p14="http://schemas.microsoft.com/office/powerpoint/2010/main" val="3338372476"/>
+      </p:ext>
+    </p:extLst>
+  </p:cSld>
+  <p:clrMapOvr>
+    <a:masterClrMapping/>
+  </p:clrMapOvr>
+</p:sld>
+</file>
+
+<file path=ppt/slides/slide17.xml><?xml version="1.0" encoding="utf-8"?>
+<p:sld xmlns:a="http://schemas.openxmlformats.org/drawingml/2006/main" xmlns:r="http://schemas.openxmlformats.org/officeDocument/2006/relationships" xmlns:p="http://schemas.openxmlformats.org/presentationml/2006/main">
+  <p:cSld>
+    <p:bg>
+      <p:bgPr>
+        <a:blipFill>
+          <a:blip r:embed="rId3"/>
+          <a:tile tx="0" ty="0" sx="100000" sy="100000" flip="none" algn="tl"/>
+        </a:blipFill>
+        <a:effectLst/>
+      </p:bgPr>
+    </p:bg>
+    <p:spTree>
+      <p:nvGrpSpPr>
+        <p:cNvPr id="1" name=""/>
+        <p:cNvGrpSpPr/>
+        <p:nvPr/>
+      </p:nvGrpSpPr>
+      <p:grpSpPr>
+        <a:xfrm>
+          <a:off x="0" y="0"/>
+          <a:ext cx="0" cy="0"/>
+          <a:chOff x="0" y="0"/>
+          <a:chExt cx="0" cy="0"/>
+        </a:xfrm>
+      </p:grpSpPr>
+      <p:sp>
+        <p:nvSpPr>
+          <p:cNvPr id="2" name="文本框 1">
+            <a:extLst>
+              <a:ext uri="{FF2B5EF4-FFF2-40B4-BE49-F238E27FC236}">
+                <a16:creationId xmlns:a16="http://schemas.microsoft.com/office/drawing/2014/main" id="{12AA8BCC-7B15-4842-80C2-48C079429338}"/>
+              </a:ext>
+            </a:extLst>
+          </p:cNvPr>
+          <p:cNvSpPr txBox="1"/>
+          <p:nvPr/>
+        </p:nvSpPr>
+        <p:spPr>
+          <a:xfrm>
+            <a:off x="2228088" y="2921168"/>
+            <a:ext cx="7735824" cy="1938992"/>
+          </a:xfrm>
+          <a:prstGeom prst="rect">
+            <a:avLst/>
+          </a:prstGeom>
+          <a:noFill/>
+        </p:spPr>
+        <p:txBody>
+          <a:bodyPr wrap="square" rtlCol="0">
+            <a:spAutoFit/>
+          </a:bodyPr>
+          <a:lstStyle/>
+          <a:p>
+            <a:pPr algn="ctr"/>
+            <a:r>
+              <a:rPr kumimoji="1" lang="zh-CN" altLang="en-US" sz="6000" dirty="0">
+                <a:latin typeface="Microsoft YaHei" panose="020B0503020204020204" pitchFamily="34" charset="-122"/>
+                <a:ea typeface="Microsoft YaHei" panose="020B0503020204020204" pitchFamily="34" charset="-122"/>
+              </a:rPr>
+              <a:t>请自行绘画本章的</a:t>
+            </a:r>
+            <a:endParaRPr kumimoji="1" lang="en-US" altLang="zh-CN" sz="6000" dirty="0">
+              <a:latin typeface="Microsoft YaHei" panose="020B0503020204020204" pitchFamily="34" charset="-122"/>
+              <a:ea typeface="Microsoft YaHei" panose="020B0503020204020204" pitchFamily="34" charset="-122"/>
+            </a:endParaRPr>
+          </a:p>
+          <a:p>
+            <a:pPr algn="ctr"/>
+            <a:r>
+              <a:rPr kumimoji="1" lang="zh-CN" altLang="en-US" sz="6000" dirty="0">
+                <a:latin typeface="Microsoft YaHei" panose="020B0503020204020204" pitchFamily="34" charset="-122"/>
+                <a:ea typeface="Microsoft YaHei" panose="020B0503020204020204" pitchFamily="34" charset="-122"/>
+              </a:rPr>
+              <a:t>思维导图总结</a:t>
+            </a:r>
+          </a:p>
+        </p:txBody>
+      </p:sp>
+    </p:spTree>
+    <p:extLst>
+      <p:ext uri="{BB962C8B-B14F-4D97-AF65-F5344CB8AC3E}">
+        <p14:creationId xmlns:p14="http://schemas.microsoft.com/office/powerpoint/2010/main" val="501859045"/>
       </p:ext>
     </p:extLst>
   </p:cSld>
